--- a/Regresión lineal.pptx
+++ b/Regresión lineal.pptx
@@ -6,15 +6,22 @@
   </p:sldMasterIdLst>
   <p:sldIdLst>
     <p:sldId id="256" r:id="rId2"/>
-    <p:sldId id="257" r:id="rId3"/>
-    <p:sldId id="259" r:id="rId4"/>
-    <p:sldId id="260" r:id="rId5"/>
-    <p:sldId id="258" r:id="rId6"/>
-    <p:sldId id="261" r:id="rId7"/>
-    <p:sldId id="263" r:id="rId8"/>
-    <p:sldId id="264" r:id="rId9"/>
-    <p:sldId id="265" r:id="rId10"/>
-    <p:sldId id="266" r:id="rId11"/>
+    <p:sldId id="267" r:id="rId3"/>
+    <p:sldId id="270" r:id="rId4"/>
+    <p:sldId id="272" r:id="rId5"/>
+    <p:sldId id="269" r:id="rId6"/>
+    <p:sldId id="268" r:id="rId7"/>
+    <p:sldId id="271" r:id="rId8"/>
+    <p:sldId id="273" r:id="rId9"/>
+    <p:sldId id="257" r:id="rId10"/>
+    <p:sldId id="259" r:id="rId11"/>
+    <p:sldId id="260" r:id="rId12"/>
+    <p:sldId id="258" r:id="rId13"/>
+    <p:sldId id="261" r:id="rId14"/>
+    <p:sldId id="263" r:id="rId15"/>
+    <p:sldId id="264" r:id="rId16"/>
+    <p:sldId id="265" r:id="rId17"/>
+    <p:sldId id="266" r:id="rId18"/>
   </p:sldIdLst>
   <p:sldSz cx="12192000" cy="6858000"/>
   <p:notesSz cx="6858000" cy="9144000"/>
@@ -3438,354 +3445,6 @@
           <a:chExt cx="0" cy="0"/>
         </a:xfrm>
       </p:grpSpPr>
-      <p:pic>
-        <p:nvPicPr>
-          <p:cNvPr id="8" name="Imagen 7" descr="Gráfico, Gráfico de dispersión&#10;&#10;Descripción generada automáticamente">
-            <a:extLst>
-              <a:ext uri="{FF2B5EF4-FFF2-40B4-BE49-F238E27FC236}">
-                <a16:creationId xmlns:a16="http://schemas.microsoft.com/office/drawing/2014/main" id="{1FB6DD19-CFB3-24C0-01F1-F0055C06F656}"/>
-              </a:ext>
-            </a:extLst>
-          </p:cNvPr>
-          <p:cNvPicPr>
-            <a:picLocks noChangeAspect="1"/>
-          </p:cNvPicPr>
-          <p:nvPr/>
-        </p:nvPicPr>
-        <p:blipFill>
-          <a:blip r:embed="rId2">
-            <a:extLst>
-              <a:ext uri="{28A0092B-C50C-407E-A947-70E740481C1C}">
-                <a14:useLocalDpi xmlns:a14="http://schemas.microsoft.com/office/drawing/2010/main" val="0"/>
-              </a:ext>
-            </a:extLst>
-          </a:blip>
-          <a:stretch>
-            <a:fillRect/>
-          </a:stretch>
-        </p:blipFill>
-        <p:spPr>
-          <a:xfrm>
-            <a:off x="216624" y="1247775"/>
-            <a:ext cx="5686425" cy="4362450"/>
-          </a:xfrm>
-          <a:prstGeom prst="rect">
-            <a:avLst/>
-          </a:prstGeom>
-        </p:spPr>
-      </p:pic>
-      <p:sp>
-        <p:nvSpPr>
-          <p:cNvPr id="9" name="CuadroTexto 8">
-            <a:extLst>
-              <a:ext uri="{FF2B5EF4-FFF2-40B4-BE49-F238E27FC236}">
-                <a16:creationId xmlns:a16="http://schemas.microsoft.com/office/drawing/2014/main" id="{F469A9DF-C757-925D-F229-25AE361B5664}"/>
-              </a:ext>
-            </a:extLst>
-          </p:cNvPr>
-          <p:cNvSpPr txBox="1"/>
-          <p:nvPr/>
-        </p:nvSpPr>
-        <p:spPr>
-          <a:xfrm>
-            <a:off x="216624" y="5868139"/>
-            <a:ext cx="5566299" cy="338554"/>
-          </a:xfrm>
-          <a:prstGeom prst="rect">
-            <a:avLst/>
-          </a:prstGeom>
-          <a:noFill/>
-        </p:spPr>
-        <p:txBody>
-          <a:bodyPr wrap="square" rtlCol="0">
-            <a:spAutoFit/>
-          </a:bodyPr>
-          <a:lstStyle/>
-          <a:p>
-            <a:r>
-              <a:rPr lang="en-US" sz="800" dirty="0"/>
-              <a:t>https://eldefinido.cl/actualidad/plazapublica/9212/Afecta-la-libertad-economica-al-desarrollo-humano-Lo-que-muestran-los-datos/</a:t>
-            </a:r>
-          </a:p>
-        </p:txBody>
-      </p:sp>
-      <p:pic>
-        <p:nvPicPr>
-          <p:cNvPr id="11" name="Imagen 10" descr="Gráfico, Gráfico de dispersión&#10;&#10;Descripción generada automáticamente">
-            <a:extLst>
-              <a:ext uri="{FF2B5EF4-FFF2-40B4-BE49-F238E27FC236}">
-                <a16:creationId xmlns:a16="http://schemas.microsoft.com/office/drawing/2014/main" id="{1F69C2C5-A77A-D6F7-DF11-83C6574D969D}"/>
-              </a:ext>
-            </a:extLst>
-          </p:cNvPr>
-          <p:cNvPicPr>
-            <a:picLocks noChangeAspect="1"/>
-          </p:cNvPicPr>
-          <p:nvPr/>
-        </p:nvPicPr>
-        <p:blipFill>
-          <a:blip r:embed="rId3">
-            <a:extLst>
-              <a:ext uri="{28A0092B-C50C-407E-A947-70E740481C1C}">
-                <a14:useLocalDpi xmlns:a14="http://schemas.microsoft.com/office/drawing/2010/main" val="0"/>
-              </a:ext>
-            </a:extLst>
-          </a:blip>
-          <a:stretch>
-            <a:fillRect/>
-          </a:stretch>
-        </p:blipFill>
-        <p:spPr>
-          <a:xfrm>
-            <a:off x="6531409" y="1755786"/>
-            <a:ext cx="5589570" cy="3346427"/>
-          </a:xfrm>
-          <a:prstGeom prst="rect">
-            <a:avLst/>
-          </a:prstGeom>
-        </p:spPr>
-      </p:pic>
-      <p:sp>
-        <p:nvSpPr>
-          <p:cNvPr id="12" name="CuadroTexto 11">
-            <a:extLst>
-              <a:ext uri="{FF2B5EF4-FFF2-40B4-BE49-F238E27FC236}">
-                <a16:creationId xmlns:a16="http://schemas.microsoft.com/office/drawing/2014/main" id="{68BC4A4D-C368-80C4-7F32-6E41D89C6E95}"/>
-              </a:ext>
-            </a:extLst>
-          </p:cNvPr>
-          <p:cNvSpPr txBox="1"/>
-          <p:nvPr/>
-        </p:nvSpPr>
-        <p:spPr>
-          <a:xfrm>
-            <a:off x="6773662" y="5868139"/>
-            <a:ext cx="4891596" cy="338554"/>
-          </a:xfrm>
-          <a:prstGeom prst="rect">
-            <a:avLst/>
-          </a:prstGeom>
-          <a:noFill/>
-        </p:spPr>
-        <p:txBody>
-          <a:bodyPr wrap="square" rtlCol="0">
-            <a:spAutoFit/>
-          </a:bodyPr>
-          <a:lstStyle/>
-          <a:p>
-            <a:r>
-              <a:rPr lang="en-US" sz="800" dirty="0"/>
-              <a:t>https://developer.ibm.com/tutorials/correlation-between-sp-500-and-bitcoin-price-community-driven-insights-with-dataworld-and-ibm-spss-statistics/</a:t>
-            </a:r>
-          </a:p>
-        </p:txBody>
-      </p:sp>
-    </p:spTree>
-    <p:extLst>
-      <p:ext uri="{BB962C8B-B14F-4D97-AF65-F5344CB8AC3E}">
-        <p14:creationId xmlns:p14="http://schemas.microsoft.com/office/powerpoint/2010/main" val="2998634556"/>
-      </p:ext>
-    </p:extLst>
-  </p:cSld>
-  <p:clrMapOvr>
-    <a:masterClrMapping/>
-  </p:clrMapOvr>
-</p:sld>
-</file>
-
-<file path=ppt/slides/slide2.xml><?xml version="1.0" encoding="utf-8"?>
-<p:sld xmlns:a="http://schemas.openxmlformats.org/drawingml/2006/main" xmlns:r="http://schemas.openxmlformats.org/officeDocument/2006/relationships" xmlns:p="http://schemas.openxmlformats.org/presentationml/2006/main">
-  <p:cSld>
-    <p:spTree>
-      <p:nvGrpSpPr>
-        <p:cNvPr id="1" name=""/>
-        <p:cNvGrpSpPr/>
-        <p:nvPr/>
-      </p:nvGrpSpPr>
-      <p:grpSpPr>
-        <a:xfrm>
-          <a:off x="0" y="0"/>
-          <a:ext cx="0" cy="0"/>
-          <a:chOff x="0" y="0"/>
-          <a:chExt cx="0" cy="0"/>
-        </a:xfrm>
-      </p:grpSpPr>
-      <p:sp>
-        <p:nvSpPr>
-          <p:cNvPr id="2" name="Título 1">
-            <a:extLst>
-              <a:ext uri="{FF2B5EF4-FFF2-40B4-BE49-F238E27FC236}">
-                <a16:creationId xmlns:a16="http://schemas.microsoft.com/office/drawing/2014/main" id="{1038F2C7-CF40-9601-07EA-DDF08D6C4E68}"/>
-              </a:ext>
-            </a:extLst>
-          </p:cNvPr>
-          <p:cNvSpPr>
-            <a:spLocks noGrp="1"/>
-          </p:cNvSpPr>
-          <p:nvPr>
-            <p:ph type="title"/>
-          </p:nvPr>
-        </p:nvSpPr>
-        <p:spPr/>
-        <p:txBody>
-          <a:bodyPr/>
-          <a:lstStyle/>
-          <a:p>
-            <a:endParaRPr lang="en-US" dirty="0"/>
-          </a:p>
-        </p:txBody>
-      </p:sp>
-      <p:sp>
-        <p:nvSpPr>
-          <p:cNvPr id="3" name="Marcador de contenido 2">
-            <a:extLst>
-              <a:ext uri="{FF2B5EF4-FFF2-40B4-BE49-F238E27FC236}">
-                <a16:creationId xmlns:a16="http://schemas.microsoft.com/office/drawing/2014/main" id="{0CB49BDB-0837-7A53-497A-27F7F7BA16FF}"/>
-              </a:ext>
-            </a:extLst>
-          </p:cNvPr>
-          <p:cNvSpPr>
-            <a:spLocks noGrp="1"/>
-          </p:cNvSpPr>
-          <p:nvPr>
-            <p:ph idx="1"/>
-          </p:nvPr>
-        </p:nvSpPr>
-        <p:spPr/>
-        <p:txBody>
-          <a:bodyPr/>
-          <a:lstStyle/>
-          <a:p>
-            <a:pPr marL="0" indent="0">
-              <a:buNone/>
-            </a:pPr>
-            <a:r>
-              <a:rPr lang="es-MX" dirty="0"/>
-              <a:t>¿Cómo se relacionan varias variables entre sí?</a:t>
-            </a:r>
-          </a:p>
-          <a:p>
-            <a:pPr marL="0" indent="0">
-              <a:buNone/>
-            </a:pPr>
-            <a:endParaRPr lang="es-MX" dirty="0"/>
-          </a:p>
-          <a:p>
-            <a:pPr marL="0" indent="0">
-              <a:buNone/>
-            </a:pPr>
-            <a:r>
-              <a:rPr lang="es-MX" dirty="0"/>
-              <a:t>¿Cómo afecta una variable a la otra?</a:t>
-            </a:r>
-          </a:p>
-          <a:p>
-            <a:pPr marL="0" indent="0">
-              <a:buNone/>
-            </a:pPr>
-            <a:endParaRPr lang="es-MX" dirty="0"/>
-          </a:p>
-          <a:p>
-            <a:pPr marL="0" indent="0">
-              <a:buNone/>
-            </a:pPr>
-            <a:r>
-              <a:rPr lang="es-MX" dirty="0"/>
-              <a:t>¿Qué ocurre con la variable </a:t>
-            </a:r>
-            <a:r>
-              <a:rPr lang="es-MX" i="1" dirty="0">
-                <a:latin typeface="Cambria Math" panose="02040503050406030204" pitchFamily="18" charset="0"/>
-                <a:ea typeface="Cambria Math" panose="02040503050406030204" pitchFamily="18" charset="0"/>
-              </a:rPr>
-              <a:t>y</a:t>
-            </a:r>
-            <a:r>
-              <a:rPr lang="es-MX" dirty="0"/>
-              <a:t> cuando se incrementa la variable </a:t>
-            </a:r>
-            <a:r>
-              <a:rPr lang="es-MX" i="1" dirty="0">
-                <a:latin typeface="Cambria Math" panose="02040503050406030204" pitchFamily="18" charset="0"/>
-                <a:ea typeface="Cambria Math" panose="02040503050406030204" pitchFamily="18" charset="0"/>
-              </a:rPr>
-              <a:t>x</a:t>
-            </a:r>
-            <a:r>
-              <a:rPr lang="es-MX" dirty="0"/>
-              <a:t>?</a:t>
-            </a:r>
-          </a:p>
-          <a:p>
-            <a:pPr marL="0" indent="0">
-              <a:buNone/>
-            </a:pPr>
-            <a:endParaRPr lang="es-MX" dirty="0"/>
-          </a:p>
-          <a:p>
-            <a:pPr marL="0" indent="0">
-              <a:buNone/>
-            </a:pPr>
-            <a:r>
-              <a:rPr lang="es-MX" dirty="0"/>
-              <a:t>¿En qué % la variable </a:t>
-            </a:r>
-            <a:r>
-              <a:rPr lang="es-MX" i="1" dirty="0">
-                <a:latin typeface="Cambria Math" panose="02040503050406030204" pitchFamily="18" charset="0"/>
-                <a:ea typeface="Cambria Math" panose="02040503050406030204" pitchFamily="18" charset="0"/>
-              </a:rPr>
-              <a:t>x</a:t>
-            </a:r>
-            <a:r>
-              <a:rPr lang="es-MX" dirty="0"/>
-              <a:t> explica el comportamiento de la variable </a:t>
-            </a:r>
-            <a:r>
-              <a:rPr lang="es-MX" i="1" dirty="0">
-                <a:latin typeface="Cambria Math" panose="02040503050406030204" pitchFamily="18" charset="0"/>
-                <a:ea typeface="Cambria Math" panose="02040503050406030204" pitchFamily="18" charset="0"/>
-              </a:rPr>
-              <a:t>y</a:t>
-            </a:r>
-            <a:r>
-              <a:rPr lang="es-MX" dirty="0"/>
-              <a:t>?</a:t>
-            </a:r>
-            <a:endParaRPr lang="en-US" dirty="0"/>
-          </a:p>
-        </p:txBody>
-      </p:sp>
-    </p:spTree>
-    <p:extLst>
-      <p:ext uri="{BB962C8B-B14F-4D97-AF65-F5344CB8AC3E}">
-        <p14:creationId xmlns:p14="http://schemas.microsoft.com/office/powerpoint/2010/main" val="3591874937"/>
-      </p:ext>
-    </p:extLst>
-  </p:cSld>
-  <p:clrMapOvr>
-    <a:masterClrMapping/>
-  </p:clrMapOvr>
-</p:sld>
-</file>
-
-<file path=ppt/slides/slide3.xml><?xml version="1.0" encoding="utf-8"?>
-<p:sld xmlns:a="http://schemas.openxmlformats.org/drawingml/2006/main" xmlns:r="http://schemas.openxmlformats.org/officeDocument/2006/relationships" xmlns:p="http://schemas.openxmlformats.org/presentationml/2006/main">
-  <p:cSld>
-    <p:spTree>
-      <p:nvGrpSpPr>
-        <p:cNvPr id="1" name=""/>
-        <p:cNvGrpSpPr/>
-        <p:nvPr/>
-      </p:nvGrpSpPr>
-      <p:grpSpPr>
-        <a:xfrm>
-          <a:off x="0" y="0"/>
-          <a:ext cx="0" cy="0"/>
-          <a:chOff x="0" y="0"/>
-          <a:chExt cx="0" cy="0"/>
-        </a:xfrm>
-      </p:grpSpPr>
       <p:sp>
         <p:nvSpPr>
           <p:cNvPr id="2" name="Título 1">
@@ -3950,7 +3609,7 @@
 </p:sld>
 </file>
 
-<file path=ppt/slides/slide4.xml><?xml version="1.0" encoding="utf-8"?>
+<file path=ppt/slides/slide11.xml><?xml version="1.0" encoding="utf-8"?>
 <p:sld xmlns:a="http://schemas.openxmlformats.org/drawingml/2006/main" xmlns:r="http://schemas.openxmlformats.org/officeDocument/2006/relationships" xmlns:p="http://schemas.openxmlformats.org/presentationml/2006/main">
   <p:cSld>
     <p:spTree>
@@ -4452,7 +4111,7 @@
 </p:sld>
 </file>
 
-<file path=ppt/slides/slide5.xml><?xml version="1.0" encoding="utf-8"?>
+<file path=ppt/slides/slide12.xml><?xml version="1.0" encoding="utf-8"?>
 <p:sld xmlns:a="http://schemas.openxmlformats.org/drawingml/2006/main" xmlns:r="http://schemas.openxmlformats.org/officeDocument/2006/relationships" xmlns:p="http://schemas.openxmlformats.org/presentationml/2006/main">
   <p:cSld>
     <p:spTree>
@@ -4622,7 +4281,7 @@
 </p:sld>
 </file>
 
-<file path=ppt/slides/slide6.xml><?xml version="1.0" encoding="utf-8"?>
+<file path=ppt/slides/slide13.xml><?xml version="1.0" encoding="utf-8"?>
 <p:sld xmlns:a="http://schemas.openxmlformats.org/drawingml/2006/main" xmlns:r="http://schemas.openxmlformats.org/officeDocument/2006/relationships" xmlns:p="http://schemas.openxmlformats.org/presentationml/2006/main">
   <p:cSld>
     <p:spTree>
@@ -4931,7 +4590,7 @@
 </p:sld>
 </file>
 
-<file path=ppt/slides/slide7.xml><?xml version="1.0" encoding="utf-8"?>
+<file path=ppt/slides/slide14.xml><?xml version="1.0" encoding="utf-8"?>
 <p:sld xmlns:a="http://schemas.openxmlformats.org/drawingml/2006/main" xmlns:r="http://schemas.openxmlformats.org/officeDocument/2006/relationships" xmlns:p="http://schemas.openxmlformats.org/presentationml/2006/main">
   <p:cSld>
     <p:spTree>
@@ -5662,7 +5321,7 @@
 </p:sld>
 </file>
 
-<file path=ppt/slides/slide8.xml><?xml version="1.0" encoding="utf-8"?>
+<file path=ppt/slides/slide15.xml><?xml version="1.0" encoding="utf-8"?>
 <p:sld xmlns:a="http://schemas.openxmlformats.org/drawingml/2006/main" xmlns:r="http://schemas.openxmlformats.org/officeDocument/2006/relationships" xmlns:p="http://schemas.openxmlformats.org/presentationml/2006/main">
   <p:cSld>
     <p:spTree>
@@ -5828,7 +5487,7 @@
 </p:sld>
 </file>
 
-<file path=ppt/slides/slide9.xml><?xml version="1.0" encoding="utf-8"?>
+<file path=ppt/slides/slide16.xml><?xml version="1.0" encoding="utf-8"?>
 <p:sld xmlns:a="http://schemas.openxmlformats.org/drawingml/2006/main" xmlns:r="http://schemas.openxmlformats.org/officeDocument/2006/relationships" xmlns:p="http://schemas.openxmlformats.org/presentationml/2006/main">
   <p:cSld>
     <p:spTree>
@@ -6388,6 +6047,1676 @@
     <p:extLst>
       <p:ext uri="{BB962C8B-B14F-4D97-AF65-F5344CB8AC3E}">
         <p14:creationId xmlns:p14="http://schemas.microsoft.com/office/powerpoint/2010/main" val="3871446915"/>
+      </p:ext>
+    </p:extLst>
+  </p:cSld>
+  <p:clrMapOvr>
+    <a:masterClrMapping/>
+  </p:clrMapOvr>
+</p:sld>
+</file>
+
+<file path=ppt/slides/slide17.xml><?xml version="1.0" encoding="utf-8"?>
+<p:sld xmlns:a="http://schemas.openxmlformats.org/drawingml/2006/main" xmlns:r="http://schemas.openxmlformats.org/officeDocument/2006/relationships" xmlns:p="http://schemas.openxmlformats.org/presentationml/2006/main">
+  <p:cSld>
+    <p:spTree>
+      <p:nvGrpSpPr>
+        <p:cNvPr id="1" name=""/>
+        <p:cNvGrpSpPr/>
+        <p:nvPr/>
+      </p:nvGrpSpPr>
+      <p:grpSpPr>
+        <a:xfrm>
+          <a:off x="0" y="0"/>
+          <a:ext cx="0" cy="0"/>
+          <a:chOff x="0" y="0"/>
+          <a:chExt cx="0" cy="0"/>
+        </a:xfrm>
+      </p:grpSpPr>
+      <p:pic>
+        <p:nvPicPr>
+          <p:cNvPr id="8" name="Imagen 7" descr="Gráfico, Gráfico de dispersión&#10;&#10;Descripción generada automáticamente">
+            <a:extLst>
+              <a:ext uri="{FF2B5EF4-FFF2-40B4-BE49-F238E27FC236}">
+                <a16:creationId xmlns:a16="http://schemas.microsoft.com/office/drawing/2014/main" id="{1FB6DD19-CFB3-24C0-01F1-F0055C06F656}"/>
+              </a:ext>
+            </a:extLst>
+          </p:cNvPr>
+          <p:cNvPicPr>
+            <a:picLocks noChangeAspect="1"/>
+          </p:cNvPicPr>
+          <p:nvPr/>
+        </p:nvPicPr>
+        <p:blipFill>
+          <a:blip r:embed="rId2">
+            <a:extLst>
+              <a:ext uri="{28A0092B-C50C-407E-A947-70E740481C1C}">
+                <a14:useLocalDpi xmlns:a14="http://schemas.microsoft.com/office/drawing/2010/main" val="0"/>
+              </a:ext>
+            </a:extLst>
+          </a:blip>
+          <a:stretch>
+            <a:fillRect/>
+          </a:stretch>
+        </p:blipFill>
+        <p:spPr>
+          <a:xfrm>
+            <a:off x="216624" y="1247775"/>
+            <a:ext cx="5686425" cy="4362450"/>
+          </a:xfrm>
+          <a:prstGeom prst="rect">
+            <a:avLst/>
+          </a:prstGeom>
+        </p:spPr>
+      </p:pic>
+      <p:sp>
+        <p:nvSpPr>
+          <p:cNvPr id="9" name="CuadroTexto 8">
+            <a:extLst>
+              <a:ext uri="{FF2B5EF4-FFF2-40B4-BE49-F238E27FC236}">
+                <a16:creationId xmlns:a16="http://schemas.microsoft.com/office/drawing/2014/main" id="{F469A9DF-C757-925D-F229-25AE361B5664}"/>
+              </a:ext>
+            </a:extLst>
+          </p:cNvPr>
+          <p:cNvSpPr txBox="1"/>
+          <p:nvPr/>
+        </p:nvSpPr>
+        <p:spPr>
+          <a:xfrm>
+            <a:off x="216624" y="5868139"/>
+            <a:ext cx="5566299" cy="338554"/>
+          </a:xfrm>
+          <a:prstGeom prst="rect">
+            <a:avLst/>
+          </a:prstGeom>
+          <a:noFill/>
+        </p:spPr>
+        <p:txBody>
+          <a:bodyPr wrap="square" rtlCol="0">
+            <a:spAutoFit/>
+          </a:bodyPr>
+          <a:lstStyle/>
+          <a:p>
+            <a:r>
+              <a:rPr lang="en-US" sz="800" dirty="0"/>
+              <a:t>https://eldefinido.cl/actualidad/plazapublica/9212/Afecta-la-libertad-economica-al-desarrollo-humano-Lo-que-muestran-los-datos/</a:t>
+            </a:r>
+          </a:p>
+        </p:txBody>
+      </p:sp>
+      <p:pic>
+        <p:nvPicPr>
+          <p:cNvPr id="11" name="Imagen 10" descr="Gráfico, Gráfico de dispersión&#10;&#10;Descripción generada automáticamente">
+            <a:extLst>
+              <a:ext uri="{FF2B5EF4-FFF2-40B4-BE49-F238E27FC236}">
+                <a16:creationId xmlns:a16="http://schemas.microsoft.com/office/drawing/2014/main" id="{1F69C2C5-A77A-D6F7-DF11-83C6574D969D}"/>
+              </a:ext>
+            </a:extLst>
+          </p:cNvPr>
+          <p:cNvPicPr>
+            <a:picLocks noChangeAspect="1"/>
+          </p:cNvPicPr>
+          <p:nvPr/>
+        </p:nvPicPr>
+        <p:blipFill>
+          <a:blip r:embed="rId3">
+            <a:extLst>
+              <a:ext uri="{28A0092B-C50C-407E-A947-70E740481C1C}">
+                <a14:useLocalDpi xmlns:a14="http://schemas.microsoft.com/office/drawing/2010/main" val="0"/>
+              </a:ext>
+            </a:extLst>
+          </a:blip>
+          <a:stretch>
+            <a:fillRect/>
+          </a:stretch>
+        </p:blipFill>
+        <p:spPr>
+          <a:xfrm>
+            <a:off x="6531409" y="1755786"/>
+            <a:ext cx="5589570" cy="3346427"/>
+          </a:xfrm>
+          <a:prstGeom prst="rect">
+            <a:avLst/>
+          </a:prstGeom>
+        </p:spPr>
+      </p:pic>
+      <p:sp>
+        <p:nvSpPr>
+          <p:cNvPr id="12" name="CuadroTexto 11">
+            <a:extLst>
+              <a:ext uri="{FF2B5EF4-FFF2-40B4-BE49-F238E27FC236}">
+                <a16:creationId xmlns:a16="http://schemas.microsoft.com/office/drawing/2014/main" id="{68BC4A4D-C368-80C4-7F32-6E41D89C6E95}"/>
+              </a:ext>
+            </a:extLst>
+          </p:cNvPr>
+          <p:cNvSpPr txBox="1"/>
+          <p:nvPr/>
+        </p:nvSpPr>
+        <p:spPr>
+          <a:xfrm>
+            <a:off x="6773662" y="5868139"/>
+            <a:ext cx="4891596" cy="338554"/>
+          </a:xfrm>
+          <a:prstGeom prst="rect">
+            <a:avLst/>
+          </a:prstGeom>
+          <a:noFill/>
+        </p:spPr>
+        <p:txBody>
+          <a:bodyPr wrap="square" rtlCol="0">
+            <a:spAutoFit/>
+          </a:bodyPr>
+          <a:lstStyle/>
+          <a:p>
+            <a:r>
+              <a:rPr lang="en-US" sz="800" dirty="0"/>
+              <a:t>https://developer.ibm.com/tutorials/correlation-between-sp-500-and-bitcoin-price-community-driven-insights-with-dataworld-and-ibm-spss-statistics/</a:t>
+            </a:r>
+          </a:p>
+        </p:txBody>
+      </p:sp>
+    </p:spTree>
+    <p:extLst>
+      <p:ext uri="{BB962C8B-B14F-4D97-AF65-F5344CB8AC3E}">
+        <p14:creationId xmlns:p14="http://schemas.microsoft.com/office/powerpoint/2010/main" val="2998634556"/>
+      </p:ext>
+    </p:extLst>
+  </p:cSld>
+  <p:clrMapOvr>
+    <a:masterClrMapping/>
+  </p:clrMapOvr>
+</p:sld>
+</file>
+
+<file path=ppt/slides/slide2.xml><?xml version="1.0" encoding="utf-8"?>
+<p:sld xmlns:a="http://schemas.openxmlformats.org/drawingml/2006/main" xmlns:r="http://schemas.openxmlformats.org/officeDocument/2006/relationships" xmlns:p="http://schemas.openxmlformats.org/presentationml/2006/main">
+  <p:cSld>
+    <p:spTree>
+      <p:nvGrpSpPr>
+        <p:cNvPr id="1" name=""/>
+        <p:cNvGrpSpPr/>
+        <p:nvPr/>
+      </p:nvGrpSpPr>
+      <p:grpSpPr>
+        <a:xfrm>
+          <a:off x="0" y="0"/>
+          <a:ext cx="0" cy="0"/>
+          <a:chOff x="0" y="0"/>
+          <a:chExt cx="0" cy="0"/>
+        </a:xfrm>
+      </p:grpSpPr>
+      <p:sp>
+        <p:nvSpPr>
+          <p:cNvPr id="6" name="CuadroTexto 5">
+            <a:extLst>
+              <a:ext uri="{FF2B5EF4-FFF2-40B4-BE49-F238E27FC236}">
+                <a16:creationId xmlns:a16="http://schemas.microsoft.com/office/drawing/2014/main" id="{05CDC865-462B-5BB2-71F1-50B4BF354FBB}"/>
+              </a:ext>
+            </a:extLst>
+          </p:cNvPr>
+          <p:cNvSpPr txBox="1"/>
+          <p:nvPr/>
+        </p:nvSpPr>
+        <p:spPr>
+          <a:xfrm>
+            <a:off x="1371600" y="813269"/>
+            <a:ext cx="9259409" cy="646331"/>
+          </a:xfrm>
+          <a:prstGeom prst="rect">
+            <a:avLst/>
+          </a:prstGeom>
+          <a:noFill/>
+        </p:spPr>
+        <p:txBody>
+          <a:bodyPr wrap="square" rtlCol="0">
+            <a:spAutoFit/>
+          </a:bodyPr>
+          <a:lstStyle/>
+          <a:p>
+            <a:r>
+              <a:rPr lang="en-US" dirty="0"/>
+              <a:t>El machine learning es </a:t>
+            </a:r>
+            <a:r>
+              <a:rPr lang="en-US" dirty="0" err="1"/>
+              <a:t>una</a:t>
+            </a:r>
+            <a:r>
+              <a:rPr lang="en-US" dirty="0"/>
+              <a:t> </a:t>
+            </a:r>
+            <a:r>
+              <a:rPr lang="en-US" dirty="0" err="1"/>
+              <a:t>rama</a:t>
+            </a:r>
+            <a:r>
+              <a:rPr lang="en-US" dirty="0"/>
+              <a:t> de la </a:t>
+            </a:r>
+            <a:r>
+              <a:rPr lang="en-US" b="1" dirty="0" err="1"/>
+              <a:t>inteligencia</a:t>
+            </a:r>
+            <a:r>
+              <a:rPr lang="en-US" b="1" dirty="0"/>
+              <a:t> artificial</a:t>
+            </a:r>
+            <a:r>
+              <a:rPr lang="en-US" dirty="0"/>
+              <a:t> que </a:t>
+            </a:r>
+            <a:r>
+              <a:rPr lang="en-US" dirty="0" err="1"/>
+              <a:t>consiste</a:t>
+            </a:r>
+            <a:r>
+              <a:rPr lang="en-US" dirty="0"/>
+              <a:t> </a:t>
+            </a:r>
+            <a:r>
+              <a:rPr lang="en-US" dirty="0" err="1"/>
+              <a:t>en</a:t>
+            </a:r>
+            <a:r>
+              <a:rPr lang="en-US" dirty="0"/>
+              <a:t> </a:t>
+            </a:r>
+            <a:r>
+              <a:rPr lang="en-US" dirty="0" err="1"/>
+              <a:t>entrenar</a:t>
+            </a:r>
+            <a:r>
+              <a:rPr lang="en-US" dirty="0"/>
+              <a:t> </a:t>
+            </a:r>
+            <a:r>
+              <a:rPr lang="en-US" dirty="0" err="1"/>
+              <a:t>sistemas</a:t>
+            </a:r>
+            <a:r>
+              <a:rPr lang="en-US" dirty="0"/>
+              <a:t> para que </a:t>
+            </a:r>
+            <a:r>
+              <a:rPr lang="en-US" dirty="0" err="1"/>
+              <a:t>aprendan</a:t>
+            </a:r>
+            <a:r>
+              <a:rPr lang="en-US" dirty="0"/>
+              <a:t> </a:t>
+            </a:r>
+            <a:r>
+              <a:rPr lang="en-US" b="1" dirty="0" err="1"/>
+              <a:t>patrones</a:t>
+            </a:r>
+            <a:r>
+              <a:rPr lang="en-US" dirty="0"/>
+              <a:t> </a:t>
+            </a:r>
+            <a:r>
+              <a:rPr lang="en-US" dirty="0" err="1"/>
+              <a:t>en</a:t>
+            </a:r>
+            <a:r>
+              <a:rPr lang="en-US" dirty="0"/>
+              <a:t> </a:t>
+            </a:r>
+            <a:r>
+              <a:rPr lang="en-US" dirty="0" err="1"/>
+              <a:t>los</a:t>
+            </a:r>
+            <a:r>
+              <a:rPr lang="en-US" dirty="0"/>
+              <a:t> </a:t>
+            </a:r>
+            <a:r>
+              <a:rPr lang="en-US" dirty="0" err="1"/>
+              <a:t>datos</a:t>
+            </a:r>
+            <a:r>
+              <a:rPr lang="en-US" dirty="0"/>
+              <a:t> para </a:t>
+            </a:r>
+            <a:r>
+              <a:rPr lang="en-US" dirty="0" err="1"/>
+              <a:t>poder</a:t>
+            </a:r>
+            <a:r>
+              <a:rPr lang="en-US" dirty="0"/>
+              <a:t> </a:t>
+            </a:r>
+            <a:r>
+              <a:rPr lang="en-US" dirty="0" err="1"/>
+              <a:t>realizar</a:t>
+            </a:r>
+            <a:r>
+              <a:rPr lang="en-US" dirty="0"/>
+              <a:t> </a:t>
+            </a:r>
+            <a:r>
+              <a:rPr lang="en-US" b="1" dirty="0" err="1"/>
+              <a:t>predicciones</a:t>
+            </a:r>
+            <a:r>
+              <a:rPr lang="en-US" dirty="0"/>
+              <a:t>. </a:t>
+            </a:r>
+          </a:p>
+        </p:txBody>
+      </p:sp>
+      <p:pic>
+        <p:nvPicPr>
+          <p:cNvPr id="8" name="Imagen 7" descr="Interfaz de usuario gráfica, Aplicación, Forma, Word, Flecha&#10;&#10;Descripción generada automáticamente">
+            <a:extLst>
+              <a:ext uri="{FF2B5EF4-FFF2-40B4-BE49-F238E27FC236}">
+                <a16:creationId xmlns:a16="http://schemas.microsoft.com/office/drawing/2014/main" id="{D7045AC5-D5CA-7030-3C32-7F00A7EF3880}"/>
+              </a:ext>
+            </a:extLst>
+          </p:cNvPr>
+          <p:cNvPicPr>
+            <a:picLocks noChangeAspect="1"/>
+          </p:cNvPicPr>
+          <p:nvPr/>
+        </p:nvPicPr>
+        <p:blipFill>
+          <a:blip r:embed="rId2">
+            <a:extLst>
+              <a:ext uri="{28A0092B-C50C-407E-A947-70E740481C1C}">
+                <a14:useLocalDpi xmlns:a14="http://schemas.microsoft.com/office/drawing/2010/main" val="0"/>
+              </a:ext>
+            </a:extLst>
+          </a:blip>
+          <a:stretch>
+            <a:fillRect/>
+          </a:stretch>
+        </p:blipFill>
+        <p:spPr>
+          <a:xfrm>
+            <a:off x="1371600" y="1930893"/>
+            <a:ext cx="8485144" cy="3724116"/>
+          </a:xfrm>
+          <a:prstGeom prst="rect">
+            <a:avLst/>
+          </a:prstGeom>
+        </p:spPr>
+      </p:pic>
+      <p:sp>
+        <p:nvSpPr>
+          <p:cNvPr id="9" name="CuadroTexto 8">
+            <a:extLst>
+              <a:ext uri="{FF2B5EF4-FFF2-40B4-BE49-F238E27FC236}">
+                <a16:creationId xmlns:a16="http://schemas.microsoft.com/office/drawing/2014/main" id="{5A5C1E9D-912E-D93C-FA22-28EA533A1063}"/>
+              </a:ext>
+            </a:extLst>
+          </p:cNvPr>
+          <p:cNvSpPr txBox="1"/>
+          <p:nvPr/>
+        </p:nvSpPr>
+        <p:spPr>
+          <a:xfrm>
+            <a:off x="7048870" y="6418555"/>
+            <a:ext cx="4758431" cy="230832"/>
+          </a:xfrm>
+          <a:prstGeom prst="rect">
+            <a:avLst/>
+          </a:prstGeom>
+          <a:noFill/>
+        </p:spPr>
+        <p:txBody>
+          <a:bodyPr wrap="square" rtlCol="0">
+            <a:spAutoFit/>
+          </a:bodyPr>
+          <a:lstStyle/>
+          <a:p>
+            <a:r>
+              <a:rPr lang="en-US" sz="900" dirty="0"/>
+              <a:t>https://docs.microsoft.com/en-us/windows/ai/windows-ml/what-is-a-machine-learning-model</a:t>
+            </a:r>
+          </a:p>
+        </p:txBody>
+      </p:sp>
+    </p:spTree>
+    <p:extLst>
+      <p:ext uri="{BB962C8B-B14F-4D97-AF65-F5344CB8AC3E}">
+        <p14:creationId xmlns:p14="http://schemas.microsoft.com/office/powerpoint/2010/main" val="2201772257"/>
+      </p:ext>
+    </p:extLst>
+  </p:cSld>
+  <p:clrMapOvr>
+    <a:masterClrMapping/>
+  </p:clrMapOvr>
+</p:sld>
+</file>
+
+<file path=ppt/slides/slide3.xml><?xml version="1.0" encoding="utf-8"?>
+<p:sld xmlns:a="http://schemas.openxmlformats.org/drawingml/2006/main" xmlns:r="http://schemas.openxmlformats.org/officeDocument/2006/relationships" xmlns:p="http://schemas.openxmlformats.org/presentationml/2006/main">
+  <p:cSld>
+    <p:spTree>
+      <p:nvGrpSpPr>
+        <p:cNvPr id="1" name=""/>
+        <p:cNvGrpSpPr/>
+        <p:nvPr/>
+      </p:nvGrpSpPr>
+      <p:grpSpPr>
+        <a:xfrm>
+          <a:off x="0" y="0"/>
+          <a:ext cx="0" cy="0"/>
+          <a:chOff x="0" y="0"/>
+          <a:chExt cx="0" cy="0"/>
+        </a:xfrm>
+      </p:grpSpPr>
+      <p:pic>
+        <p:nvPicPr>
+          <p:cNvPr id="5" name="Imagen 4" descr="Escala de tiempo&#10;&#10;Descripción generada automáticamente">
+            <a:extLst>
+              <a:ext uri="{FF2B5EF4-FFF2-40B4-BE49-F238E27FC236}">
+                <a16:creationId xmlns:a16="http://schemas.microsoft.com/office/drawing/2014/main" id="{94662E89-50DF-7B13-ECC3-35C8A07BE09A}"/>
+              </a:ext>
+            </a:extLst>
+          </p:cNvPr>
+          <p:cNvPicPr>
+            <a:picLocks noChangeAspect="1"/>
+          </p:cNvPicPr>
+          <p:nvPr/>
+        </p:nvPicPr>
+        <p:blipFill>
+          <a:blip r:embed="rId2">
+            <a:extLst>
+              <a:ext uri="{28A0092B-C50C-407E-A947-70E740481C1C}">
+                <a14:useLocalDpi xmlns:a14="http://schemas.microsoft.com/office/drawing/2010/main" val="0"/>
+              </a:ext>
+            </a:extLst>
+          </a:blip>
+          <a:stretch>
+            <a:fillRect/>
+          </a:stretch>
+        </p:blipFill>
+        <p:spPr>
+          <a:xfrm>
+            <a:off x="1893671" y="1090050"/>
+            <a:ext cx="7800975" cy="4905375"/>
+          </a:xfrm>
+          <a:prstGeom prst="rect">
+            <a:avLst/>
+          </a:prstGeom>
+        </p:spPr>
+      </p:pic>
+      <p:sp>
+        <p:nvSpPr>
+          <p:cNvPr id="6" name="CuadroTexto 5">
+            <a:extLst>
+              <a:ext uri="{FF2B5EF4-FFF2-40B4-BE49-F238E27FC236}">
+                <a16:creationId xmlns:a16="http://schemas.microsoft.com/office/drawing/2014/main" id="{7CA07FD2-A702-EA0B-5BEA-ECF8D2364C5D}"/>
+              </a:ext>
+            </a:extLst>
+          </p:cNvPr>
+          <p:cNvSpPr txBox="1"/>
+          <p:nvPr/>
+        </p:nvSpPr>
+        <p:spPr>
+          <a:xfrm>
+            <a:off x="6844682" y="6436311"/>
+            <a:ext cx="4128117" cy="261610"/>
+          </a:xfrm>
+          <a:prstGeom prst="rect">
+            <a:avLst/>
+          </a:prstGeom>
+          <a:noFill/>
+        </p:spPr>
+        <p:txBody>
+          <a:bodyPr wrap="square" rtlCol="0">
+            <a:spAutoFit/>
+          </a:bodyPr>
+          <a:lstStyle/>
+          <a:p>
+            <a:r>
+              <a:rPr lang="en-US" sz="1100" dirty="0"/>
+              <a:t>https://www.intellspot.com/unsupervised-vs-supervised-learning/</a:t>
+            </a:r>
+          </a:p>
+        </p:txBody>
+      </p:sp>
+    </p:spTree>
+    <p:extLst>
+      <p:ext uri="{BB962C8B-B14F-4D97-AF65-F5344CB8AC3E}">
+        <p14:creationId xmlns:p14="http://schemas.microsoft.com/office/powerpoint/2010/main" val="3880102513"/>
+      </p:ext>
+    </p:extLst>
+  </p:cSld>
+  <p:clrMapOvr>
+    <a:masterClrMapping/>
+  </p:clrMapOvr>
+</p:sld>
+</file>
+
+<file path=ppt/slides/slide4.xml><?xml version="1.0" encoding="utf-8"?>
+<p:sld xmlns:a="http://schemas.openxmlformats.org/drawingml/2006/main" xmlns:r="http://schemas.openxmlformats.org/officeDocument/2006/relationships" xmlns:p="http://schemas.openxmlformats.org/presentationml/2006/main">
+  <p:cSld>
+    <p:spTree>
+      <p:nvGrpSpPr>
+        <p:cNvPr id="1" name=""/>
+        <p:cNvGrpSpPr/>
+        <p:nvPr/>
+      </p:nvGrpSpPr>
+      <p:grpSpPr>
+        <a:xfrm>
+          <a:off x="0" y="0"/>
+          <a:ext cx="0" cy="0"/>
+          <a:chOff x="0" y="0"/>
+          <a:chExt cx="0" cy="0"/>
+        </a:xfrm>
+      </p:grpSpPr>
+      <p:pic>
+        <p:nvPicPr>
+          <p:cNvPr id="5" name="Imagen 4" descr="Diagrama&#10;&#10;Descripción generada automáticamente">
+            <a:extLst>
+              <a:ext uri="{FF2B5EF4-FFF2-40B4-BE49-F238E27FC236}">
+                <a16:creationId xmlns:a16="http://schemas.microsoft.com/office/drawing/2014/main" id="{0D2DDF47-63B2-12AB-32AD-43EA62289E7D}"/>
+              </a:ext>
+            </a:extLst>
+          </p:cNvPr>
+          <p:cNvPicPr>
+            <a:picLocks noChangeAspect="1"/>
+          </p:cNvPicPr>
+          <p:nvPr/>
+        </p:nvPicPr>
+        <p:blipFill>
+          <a:blip r:embed="rId2">
+            <a:extLst>
+              <a:ext uri="{28A0092B-C50C-407E-A947-70E740481C1C}">
+                <a14:useLocalDpi xmlns:a14="http://schemas.microsoft.com/office/drawing/2010/main" val="0"/>
+              </a:ext>
+            </a:extLst>
+          </a:blip>
+          <a:stretch>
+            <a:fillRect/>
+          </a:stretch>
+        </p:blipFill>
+        <p:spPr>
+          <a:xfrm>
+            <a:off x="944732" y="1592785"/>
+            <a:ext cx="9889724" cy="3672430"/>
+          </a:xfrm>
+          <a:prstGeom prst="rect">
+            <a:avLst/>
+          </a:prstGeom>
+        </p:spPr>
+      </p:pic>
+      <p:sp>
+        <p:nvSpPr>
+          <p:cNvPr id="6" name="CuadroTexto 5">
+            <a:extLst>
+              <a:ext uri="{FF2B5EF4-FFF2-40B4-BE49-F238E27FC236}">
+                <a16:creationId xmlns:a16="http://schemas.microsoft.com/office/drawing/2014/main" id="{17130D99-E731-00FC-3D07-7A98B79949A9}"/>
+              </a:ext>
+            </a:extLst>
+          </p:cNvPr>
+          <p:cNvSpPr txBox="1"/>
+          <p:nvPr/>
+        </p:nvSpPr>
+        <p:spPr>
+          <a:xfrm>
+            <a:off x="6897950" y="6338657"/>
+            <a:ext cx="4616388" cy="253916"/>
+          </a:xfrm>
+          <a:prstGeom prst="rect">
+            <a:avLst/>
+          </a:prstGeom>
+          <a:noFill/>
+        </p:spPr>
+        <p:txBody>
+          <a:bodyPr wrap="square" rtlCol="0">
+            <a:spAutoFit/>
+          </a:bodyPr>
+          <a:lstStyle/>
+          <a:p>
+            <a:r>
+              <a:rPr lang="en-US" sz="1050" dirty="0"/>
+              <a:t>https://twitter.com/athena_schools/status/1063013435779223553/photo/1</a:t>
+            </a:r>
+          </a:p>
+        </p:txBody>
+      </p:sp>
+    </p:spTree>
+    <p:extLst>
+      <p:ext uri="{BB962C8B-B14F-4D97-AF65-F5344CB8AC3E}">
+        <p14:creationId xmlns:p14="http://schemas.microsoft.com/office/powerpoint/2010/main" val="1010431134"/>
+      </p:ext>
+    </p:extLst>
+  </p:cSld>
+  <p:clrMapOvr>
+    <a:masterClrMapping/>
+  </p:clrMapOvr>
+</p:sld>
+</file>
+
+<file path=ppt/slides/slide5.xml><?xml version="1.0" encoding="utf-8"?>
+<p:sld xmlns:a="http://schemas.openxmlformats.org/drawingml/2006/main" xmlns:r="http://schemas.openxmlformats.org/officeDocument/2006/relationships" xmlns:p="http://schemas.openxmlformats.org/presentationml/2006/main">
+  <p:cSld>
+    <p:spTree>
+      <p:nvGrpSpPr>
+        <p:cNvPr id="1" name=""/>
+        <p:cNvGrpSpPr/>
+        <p:nvPr/>
+      </p:nvGrpSpPr>
+      <p:grpSpPr>
+        <a:xfrm>
+          <a:off x="0" y="0"/>
+          <a:ext cx="0" cy="0"/>
+          <a:chOff x="0" y="0"/>
+          <a:chExt cx="0" cy="0"/>
+        </a:xfrm>
+      </p:grpSpPr>
+      <p:sp>
+        <p:nvSpPr>
+          <p:cNvPr id="2" name="Título 1">
+            <a:extLst>
+              <a:ext uri="{FF2B5EF4-FFF2-40B4-BE49-F238E27FC236}">
+                <a16:creationId xmlns:a16="http://schemas.microsoft.com/office/drawing/2014/main" id="{C5C97C1B-E11D-2AAC-831C-27820B04BCCF}"/>
+              </a:ext>
+            </a:extLst>
+          </p:cNvPr>
+          <p:cNvSpPr>
+            <a:spLocks noGrp="1"/>
+          </p:cNvSpPr>
+          <p:nvPr>
+            <p:ph type="title"/>
+          </p:nvPr>
+        </p:nvSpPr>
+        <p:spPr/>
+        <p:txBody>
+          <a:bodyPr/>
+          <a:lstStyle/>
+          <a:p>
+            <a:r>
+              <a:rPr lang="es-MX" dirty="0"/>
+              <a:t>Data </a:t>
+            </a:r>
+            <a:r>
+              <a:rPr lang="es-MX" dirty="0" err="1"/>
+              <a:t>labeling</a:t>
+            </a:r>
+            <a:r>
+              <a:rPr lang="es-MX" dirty="0"/>
+              <a:t> &amp; Data </a:t>
+            </a:r>
+            <a:r>
+              <a:rPr lang="es-MX" dirty="0" err="1"/>
+              <a:t>annotation</a:t>
+            </a:r>
+            <a:endParaRPr lang="en-US" dirty="0"/>
+          </a:p>
+        </p:txBody>
+      </p:sp>
+      <p:pic>
+        <p:nvPicPr>
+          <p:cNvPr id="7" name="Imagen 6" descr="Interfaz de usuario gráfica, Aplicación&#10;&#10;Descripción generada automáticamente">
+            <a:extLst>
+              <a:ext uri="{FF2B5EF4-FFF2-40B4-BE49-F238E27FC236}">
+                <a16:creationId xmlns:a16="http://schemas.microsoft.com/office/drawing/2014/main" id="{4FE61F9F-ECFF-9E86-D8F7-0CFB69E131ED}"/>
+              </a:ext>
+            </a:extLst>
+          </p:cNvPr>
+          <p:cNvPicPr>
+            <a:picLocks noChangeAspect="1"/>
+          </p:cNvPicPr>
+          <p:nvPr/>
+        </p:nvPicPr>
+        <p:blipFill>
+          <a:blip r:embed="rId2">
+            <a:extLst>
+              <a:ext uri="{28A0092B-C50C-407E-A947-70E740481C1C}">
+                <a14:useLocalDpi xmlns:a14="http://schemas.microsoft.com/office/drawing/2010/main" val="0"/>
+              </a:ext>
+            </a:extLst>
+          </a:blip>
+          <a:stretch>
+            <a:fillRect/>
+          </a:stretch>
+        </p:blipFill>
+        <p:spPr>
+          <a:xfrm>
+            <a:off x="199008" y="1930076"/>
+            <a:ext cx="3272161" cy="3272161"/>
+          </a:xfrm>
+          <a:prstGeom prst="rect">
+            <a:avLst/>
+          </a:prstGeom>
+        </p:spPr>
+      </p:pic>
+      <p:pic>
+        <p:nvPicPr>
+          <p:cNvPr id="9" name="Imagen 8" descr="Tabla&#10;&#10;Descripción generada automáticamente">
+            <a:extLst>
+              <a:ext uri="{FF2B5EF4-FFF2-40B4-BE49-F238E27FC236}">
+                <a16:creationId xmlns:a16="http://schemas.microsoft.com/office/drawing/2014/main" id="{F4C6FDC4-91CC-6427-21C5-41C7F2B7D7BD}"/>
+              </a:ext>
+            </a:extLst>
+          </p:cNvPr>
+          <p:cNvPicPr>
+            <a:picLocks noChangeAspect="1"/>
+          </p:cNvPicPr>
+          <p:nvPr/>
+        </p:nvPicPr>
+        <p:blipFill rotWithShape="1">
+          <a:blip r:embed="rId3">
+            <a:extLst>
+              <a:ext uri="{28A0092B-C50C-407E-A947-70E740481C1C}">
+                <a14:useLocalDpi xmlns:a14="http://schemas.microsoft.com/office/drawing/2010/main" val="0"/>
+              </a:ext>
+            </a:extLst>
+          </a:blip>
+          <a:srcRect l="2271" r="12473"/>
+          <a:stretch/>
+        </p:blipFill>
+        <p:spPr>
+          <a:xfrm>
+            <a:off x="7125661" y="2157333"/>
+            <a:ext cx="4592426" cy="2817648"/>
+          </a:xfrm>
+          <a:prstGeom prst="rect">
+            <a:avLst/>
+          </a:prstGeom>
+        </p:spPr>
+      </p:pic>
+      <p:sp>
+        <p:nvSpPr>
+          <p:cNvPr id="10" name="CuadroTexto 9">
+            <a:extLst>
+              <a:ext uri="{FF2B5EF4-FFF2-40B4-BE49-F238E27FC236}">
+                <a16:creationId xmlns:a16="http://schemas.microsoft.com/office/drawing/2014/main" id="{706FDF99-AC39-47D2-9073-56CDE07CD520}"/>
+              </a:ext>
+            </a:extLst>
+          </p:cNvPr>
+          <p:cNvSpPr txBox="1"/>
+          <p:nvPr/>
+        </p:nvSpPr>
+        <p:spPr>
+          <a:xfrm>
+            <a:off x="9421874" y="4874953"/>
+            <a:ext cx="3559945" cy="200055"/>
+          </a:xfrm>
+          <a:prstGeom prst="rect">
+            <a:avLst/>
+          </a:prstGeom>
+          <a:noFill/>
+        </p:spPr>
+        <p:txBody>
+          <a:bodyPr wrap="square" rtlCol="0">
+            <a:spAutoFit/>
+          </a:bodyPr>
+          <a:lstStyle/>
+          <a:p>
+            <a:r>
+              <a:rPr lang="en-US" sz="700" dirty="0"/>
+              <a:t>https://www.quora.com/What-is-supervised-learning</a:t>
+            </a:r>
+          </a:p>
+        </p:txBody>
+      </p:sp>
+      <p:pic>
+        <p:nvPicPr>
+          <p:cNvPr id="12" name="Imagen 11" descr="Tabla&#10;&#10;Descripción generada automáticamente">
+            <a:extLst>
+              <a:ext uri="{FF2B5EF4-FFF2-40B4-BE49-F238E27FC236}">
+                <a16:creationId xmlns:a16="http://schemas.microsoft.com/office/drawing/2014/main" id="{59415445-6705-9F71-0B66-245A2DBD54FB}"/>
+              </a:ext>
+            </a:extLst>
+          </p:cNvPr>
+          <p:cNvPicPr>
+            <a:picLocks noChangeAspect="1"/>
+          </p:cNvPicPr>
+          <p:nvPr/>
+        </p:nvPicPr>
+        <p:blipFill>
+          <a:blip r:embed="rId4">
+            <a:extLst>
+              <a:ext uri="{28A0092B-C50C-407E-A947-70E740481C1C}">
+                <a14:useLocalDpi xmlns:a14="http://schemas.microsoft.com/office/drawing/2010/main" val="0"/>
+              </a:ext>
+            </a:extLst>
+          </a:blip>
+          <a:stretch>
+            <a:fillRect/>
+          </a:stretch>
+        </p:blipFill>
+        <p:spPr>
+          <a:xfrm>
+            <a:off x="4063966" y="2157333"/>
+            <a:ext cx="2931637" cy="3500647"/>
+          </a:xfrm>
+          <a:prstGeom prst="rect">
+            <a:avLst/>
+          </a:prstGeom>
+        </p:spPr>
+      </p:pic>
+      <p:sp>
+        <p:nvSpPr>
+          <p:cNvPr id="13" name="CuadroTexto 12">
+            <a:extLst>
+              <a:ext uri="{FF2B5EF4-FFF2-40B4-BE49-F238E27FC236}">
+                <a16:creationId xmlns:a16="http://schemas.microsoft.com/office/drawing/2014/main" id="{6D9D5467-DEA5-B463-15A5-4CB7E65130D0}"/>
+              </a:ext>
+            </a:extLst>
+          </p:cNvPr>
+          <p:cNvSpPr txBox="1"/>
+          <p:nvPr/>
+        </p:nvSpPr>
+        <p:spPr>
+          <a:xfrm>
+            <a:off x="4063966" y="5657980"/>
+            <a:ext cx="4341181" cy="230832"/>
+          </a:xfrm>
+          <a:prstGeom prst="rect">
+            <a:avLst/>
+          </a:prstGeom>
+          <a:noFill/>
+        </p:spPr>
+        <p:txBody>
+          <a:bodyPr wrap="square" rtlCol="0">
+            <a:spAutoFit/>
+          </a:bodyPr>
+          <a:lstStyle/>
+          <a:p>
+            <a:r>
+              <a:rPr lang="en-US" sz="900" dirty="0"/>
+              <a:t>https://datarepository.wolframcloud.com/resources/Sample-Data-Titanic-Survival/</a:t>
+            </a:r>
+          </a:p>
+        </p:txBody>
+      </p:sp>
+      <p:sp>
+        <p:nvSpPr>
+          <p:cNvPr id="14" name="CuadroTexto 13">
+            <a:extLst>
+              <a:ext uri="{FF2B5EF4-FFF2-40B4-BE49-F238E27FC236}">
+                <a16:creationId xmlns:a16="http://schemas.microsoft.com/office/drawing/2014/main" id="{E2D0AFFB-59D6-63FC-ACDF-6F17470AD94F}"/>
+              </a:ext>
+            </a:extLst>
+          </p:cNvPr>
+          <p:cNvSpPr txBox="1"/>
+          <p:nvPr/>
+        </p:nvSpPr>
+        <p:spPr>
+          <a:xfrm>
+            <a:off x="514905" y="5657980"/>
+            <a:ext cx="2849732" cy="307777"/>
+          </a:xfrm>
+          <a:prstGeom prst="rect">
+            <a:avLst/>
+          </a:prstGeom>
+          <a:noFill/>
+        </p:spPr>
+        <p:txBody>
+          <a:bodyPr wrap="square" rtlCol="0">
+            <a:spAutoFit/>
+          </a:bodyPr>
+          <a:lstStyle/>
+          <a:p>
+            <a:r>
+              <a:rPr lang="en-US" sz="700" dirty="0"/>
+              <a:t>https://www.therobotreport.com/data-annotation-10-companies-ai-robotics-developers-should-watch/</a:t>
+            </a:r>
+          </a:p>
+        </p:txBody>
+      </p:sp>
+    </p:spTree>
+    <p:extLst>
+      <p:ext uri="{BB962C8B-B14F-4D97-AF65-F5344CB8AC3E}">
+        <p14:creationId xmlns:p14="http://schemas.microsoft.com/office/powerpoint/2010/main" val="1250185316"/>
+      </p:ext>
+    </p:extLst>
+  </p:cSld>
+  <p:clrMapOvr>
+    <a:masterClrMapping/>
+  </p:clrMapOvr>
+</p:sld>
+</file>
+
+<file path=ppt/slides/slide6.xml><?xml version="1.0" encoding="utf-8"?>
+<p:sld xmlns:a="http://schemas.openxmlformats.org/drawingml/2006/main" xmlns:r="http://schemas.openxmlformats.org/officeDocument/2006/relationships" xmlns:p="http://schemas.openxmlformats.org/presentationml/2006/main">
+  <p:cSld>
+    <p:spTree>
+      <p:nvGrpSpPr>
+        <p:cNvPr id="1" name=""/>
+        <p:cNvGrpSpPr/>
+        <p:nvPr/>
+      </p:nvGrpSpPr>
+      <p:grpSpPr>
+        <a:xfrm>
+          <a:off x="0" y="0"/>
+          <a:ext cx="0" cy="0"/>
+          <a:chOff x="0" y="0"/>
+          <a:chExt cx="0" cy="0"/>
+        </a:xfrm>
+      </p:grpSpPr>
+      <p:pic>
+        <p:nvPicPr>
+          <p:cNvPr id="12" name="Imagen 11" descr="Diagrama&#10;&#10;Descripción generada automáticamente">
+            <a:extLst>
+              <a:ext uri="{FF2B5EF4-FFF2-40B4-BE49-F238E27FC236}">
+                <a16:creationId xmlns:a16="http://schemas.microsoft.com/office/drawing/2014/main" id="{C259C7B4-035C-9886-A782-BD9D281A001A}"/>
+              </a:ext>
+            </a:extLst>
+          </p:cNvPr>
+          <p:cNvPicPr>
+            <a:picLocks noChangeAspect="1"/>
+          </p:cNvPicPr>
+          <p:nvPr/>
+        </p:nvPicPr>
+        <p:blipFill>
+          <a:blip r:embed="rId2">
+            <a:extLst>
+              <a:ext uri="{28A0092B-C50C-407E-A947-70E740481C1C}">
+                <a14:useLocalDpi xmlns:a14="http://schemas.microsoft.com/office/drawing/2010/main" val="0"/>
+              </a:ext>
+            </a:extLst>
+          </a:blip>
+          <a:stretch>
+            <a:fillRect/>
+          </a:stretch>
+        </p:blipFill>
+        <p:spPr>
+          <a:xfrm>
+            <a:off x="5304145" y="727968"/>
+            <a:ext cx="6253363" cy="5024761"/>
+          </a:xfrm>
+          <a:prstGeom prst="rect">
+            <a:avLst/>
+          </a:prstGeom>
+        </p:spPr>
+      </p:pic>
+      <p:sp>
+        <p:nvSpPr>
+          <p:cNvPr id="13" name="CuadroTexto 12">
+            <a:extLst>
+              <a:ext uri="{FF2B5EF4-FFF2-40B4-BE49-F238E27FC236}">
+                <a16:creationId xmlns:a16="http://schemas.microsoft.com/office/drawing/2014/main" id="{238B8532-3822-CB28-46BF-847EE8CDD6A4}"/>
+              </a:ext>
+            </a:extLst>
+          </p:cNvPr>
+          <p:cNvSpPr txBox="1"/>
+          <p:nvPr/>
+        </p:nvSpPr>
+        <p:spPr>
+          <a:xfrm>
+            <a:off x="5468645" y="6551720"/>
+            <a:ext cx="7315202" cy="230832"/>
+          </a:xfrm>
+          <a:prstGeom prst="rect">
+            <a:avLst/>
+          </a:prstGeom>
+          <a:noFill/>
+        </p:spPr>
+        <p:txBody>
+          <a:bodyPr wrap="square" rtlCol="0">
+            <a:spAutoFit/>
+          </a:bodyPr>
+          <a:lstStyle/>
+          <a:p>
+            <a:r>
+              <a:rPr lang="en-US" sz="900" dirty="0"/>
+              <a:t>https://www.researchgate.net/figure/Supervised-learning-and-unsupervised-learning-Supervised-learning-uses-annotation_fig1_329533120</a:t>
+            </a:r>
+          </a:p>
+        </p:txBody>
+      </p:sp>
+      <p:sp>
+        <p:nvSpPr>
+          <p:cNvPr id="14" name="CuadroTexto 13">
+            <a:extLst>
+              <a:ext uri="{FF2B5EF4-FFF2-40B4-BE49-F238E27FC236}">
+                <a16:creationId xmlns:a16="http://schemas.microsoft.com/office/drawing/2014/main" id="{6D46F5E7-7BF6-4D33-B8F7-11EF4FE64351}"/>
+              </a:ext>
+            </a:extLst>
+          </p:cNvPr>
+          <p:cNvSpPr txBox="1"/>
+          <p:nvPr/>
+        </p:nvSpPr>
+        <p:spPr>
+          <a:xfrm>
+            <a:off x="967666" y="2024108"/>
+            <a:ext cx="4074850" cy="646331"/>
+          </a:xfrm>
+          <a:prstGeom prst="rect">
+            <a:avLst/>
+          </a:prstGeom>
+          <a:noFill/>
+        </p:spPr>
+        <p:txBody>
+          <a:bodyPr wrap="square" rtlCol="0">
+            <a:spAutoFit/>
+          </a:bodyPr>
+          <a:lstStyle/>
+          <a:p>
+            <a:r>
+              <a:rPr lang="en-US" b="1" dirty="0"/>
+              <a:t>Supervised Learning </a:t>
+            </a:r>
+            <a:r>
+              <a:rPr lang="en-US" dirty="0"/>
+              <a:t>se </a:t>
+            </a:r>
+            <a:r>
+              <a:rPr lang="en-US" dirty="0" err="1"/>
+              <a:t>basa</a:t>
+            </a:r>
+            <a:r>
+              <a:rPr lang="en-US" dirty="0"/>
+              <a:t> </a:t>
+            </a:r>
+            <a:r>
+              <a:rPr lang="en-US" dirty="0" err="1"/>
+              <a:t>en</a:t>
+            </a:r>
+            <a:r>
+              <a:rPr lang="en-US" dirty="0"/>
+              <a:t> </a:t>
+            </a:r>
+            <a:r>
+              <a:rPr lang="en-US" dirty="0" err="1"/>
+              <a:t>datos</a:t>
+            </a:r>
+            <a:r>
+              <a:rPr lang="en-US" dirty="0"/>
+              <a:t> que </a:t>
+            </a:r>
+            <a:r>
+              <a:rPr lang="en-US" dirty="0" err="1"/>
+              <a:t>est</a:t>
+            </a:r>
+            <a:r>
+              <a:rPr lang="es-MX" dirty="0" err="1"/>
+              <a:t>án</a:t>
+            </a:r>
+            <a:r>
+              <a:rPr lang="es-MX" dirty="0"/>
+              <a:t> </a:t>
+            </a:r>
+            <a:r>
+              <a:rPr lang="es-MX" b="1" dirty="0"/>
+              <a:t>etiquetados</a:t>
+            </a:r>
+            <a:r>
+              <a:rPr lang="es-MX" dirty="0"/>
+              <a:t> (</a:t>
+            </a:r>
+            <a:r>
+              <a:rPr lang="es-MX" dirty="0" err="1"/>
+              <a:t>labeled</a:t>
+            </a:r>
+            <a:r>
+              <a:rPr lang="es-MX" dirty="0"/>
+              <a:t> data)</a:t>
+            </a:r>
+            <a:endParaRPr lang="en-US" dirty="0"/>
+          </a:p>
+        </p:txBody>
+      </p:sp>
+      <p:sp>
+        <p:nvSpPr>
+          <p:cNvPr id="15" name="CuadroTexto 14">
+            <a:extLst>
+              <a:ext uri="{FF2B5EF4-FFF2-40B4-BE49-F238E27FC236}">
+                <a16:creationId xmlns:a16="http://schemas.microsoft.com/office/drawing/2014/main" id="{07E9373B-D240-4518-321D-9CA5CA934127}"/>
+              </a:ext>
+            </a:extLst>
+          </p:cNvPr>
+          <p:cNvSpPr txBox="1"/>
+          <p:nvPr/>
+        </p:nvSpPr>
+        <p:spPr>
+          <a:xfrm>
+            <a:off x="967666" y="4333781"/>
+            <a:ext cx="4074850" cy="646331"/>
+          </a:xfrm>
+          <a:prstGeom prst="rect">
+            <a:avLst/>
+          </a:prstGeom>
+          <a:noFill/>
+        </p:spPr>
+        <p:txBody>
+          <a:bodyPr wrap="square" rtlCol="0">
+            <a:spAutoFit/>
+          </a:bodyPr>
+          <a:lstStyle/>
+          <a:p>
+            <a:r>
+              <a:rPr lang="en-US" b="1" dirty="0"/>
+              <a:t>Unsupervised Learning </a:t>
+            </a:r>
+            <a:r>
+              <a:rPr lang="en-US" dirty="0"/>
+              <a:t>se </a:t>
+            </a:r>
+            <a:r>
+              <a:rPr lang="en-US" dirty="0" err="1"/>
+              <a:t>basa</a:t>
+            </a:r>
+            <a:r>
+              <a:rPr lang="en-US" dirty="0"/>
+              <a:t> </a:t>
+            </a:r>
+            <a:r>
+              <a:rPr lang="en-US" dirty="0" err="1"/>
+              <a:t>en</a:t>
+            </a:r>
+            <a:r>
+              <a:rPr lang="en-US" dirty="0"/>
+              <a:t> </a:t>
+            </a:r>
+            <a:r>
+              <a:rPr lang="en-US" dirty="0" err="1"/>
+              <a:t>datos</a:t>
+            </a:r>
+            <a:r>
+              <a:rPr lang="en-US" dirty="0"/>
+              <a:t> que </a:t>
+            </a:r>
+            <a:r>
+              <a:rPr lang="en-US" b="1" dirty="0"/>
+              <a:t>no</a:t>
+            </a:r>
+            <a:r>
+              <a:rPr lang="en-US" dirty="0"/>
+              <a:t> </a:t>
+            </a:r>
+            <a:r>
+              <a:rPr lang="en-US" dirty="0" err="1"/>
+              <a:t>están</a:t>
+            </a:r>
+            <a:r>
+              <a:rPr lang="en-US" dirty="0"/>
+              <a:t> </a:t>
+            </a:r>
+            <a:r>
+              <a:rPr lang="es-MX" b="1" dirty="0"/>
+              <a:t>etiquetados</a:t>
+            </a:r>
+            <a:endParaRPr lang="en-US" b="1" dirty="0"/>
+          </a:p>
+        </p:txBody>
+      </p:sp>
+    </p:spTree>
+    <p:extLst>
+      <p:ext uri="{BB962C8B-B14F-4D97-AF65-F5344CB8AC3E}">
+        <p14:creationId xmlns:p14="http://schemas.microsoft.com/office/powerpoint/2010/main" val="1056714219"/>
+      </p:ext>
+    </p:extLst>
+  </p:cSld>
+  <p:clrMapOvr>
+    <a:masterClrMapping/>
+  </p:clrMapOvr>
+</p:sld>
+</file>
+
+<file path=ppt/slides/slide7.xml><?xml version="1.0" encoding="utf-8"?>
+<p:sld xmlns:a="http://schemas.openxmlformats.org/drawingml/2006/main" xmlns:r="http://schemas.openxmlformats.org/officeDocument/2006/relationships" xmlns:p="http://schemas.openxmlformats.org/presentationml/2006/main">
+  <p:cSld>
+    <p:spTree>
+      <p:nvGrpSpPr>
+        <p:cNvPr id="1" name=""/>
+        <p:cNvGrpSpPr/>
+        <p:nvPr/>
+      </p:nvGrpSpPr>
+      <p:grpSpPr>
+        <a:xfrm>
+          <a:off x="0" y="0"/>
+          <a:ext cx="0" cy="0"/>
+          <a:chOff x="0" y="0"/>
+          <a:chExt cx="0" cy="0"/>
+        </a:xfrm>
+      </p:grpSpPr>
+      <p:sp>
+        <p:nvSpPr>
+          <p:cNvPr id="2" name="Título 1">
+            <a:extLst>
+              <a:ext uri="{FF2B5EF4-FFF2-40B4-BE49-F238E27FC236}">
+                <a16:creationId xmlns:a16="http://schemas.microsoft.com/office/drawing/2014/main" id="{947F36C9-1A2B-3BF0-5F06-7CE8A47F1B5E}"/>
+              </a:ext>
+            </a:extLst>
+          </p:cNvPr>
+          <p:cNvSpPr>
+            <a:spLocks noGrp="1"/>
+          </p:cNvSpPr>
+          <p:nvPr>
+            <p:ph type="title"/>
+          </p:nvPr>
+        </p:nvSpPr>
+        <p:spPr/>
+        <p:txBody>
+          <a:bodyPr/>
+          <a:lstStyle/>
+          <a:p>
+            <a:r>
+              <a:rPr lang="es-MX" dirty="0"/>
+              <a:t>Aprendizaje supervisado</a:t>
+            </a:r>
+            <a:endParaRPr lang="en-US" dirty="0"/>
+          </a:p>
+        </p:txBody>
+      </p:sp>
+      <p:pic>
+        <p:nvPicPr>
+          <p:cNvPr id="4" name="Imagen 3" descr="Interfaz de usuario gráfica, Texto&#10;&#10;Descripción generada automáticamente">
+            <a:extLst>
+              <a:ext uri="{FF2B5EF4-FFF2-40B4-BE49-F238E27FC236}">
+                <a16:creationId xmlns:a16="http://schemas.microsoft.com/office/drawing/2014/main" id="{7640F0BB-94BF-59C1-828F-7C4059164069}"/>
+              </a:ext>
+            </a:extLst>
+          </p:cNvPr>
+          <p:cNvPicPr>
+            <a:picLocks noChangeAspect="1"/>
+          </p:cNvPicPr>
+          <p:nvPr/>
+        </p:nvPicPr>
+        <p:blipFill>
+          <a:blip r:embed="rId2">
+            <a:extLst>
+              <a:ext uri="{28A0092B-C50C-407E-A947-70E740481C1C}">
+                <a14:useLocalDpi xmlns:a14="http://schemas.microsoft.com/office/drawing/2010/main" val="0"/>
+              </a:ext>
+            </a:extLst>
+          </a:blip>
+          <a:stretch>
+            <a:fillRect/>
+          </a:stretch>
+        </p:blipFill>
+        <p:spPr>
+          <a:xfrm>
+            <a:off x="121328" y="1433743"/>
+            <a:ext cx="6971930" cy="5228948"/>
+          </a:xfrm>
+          <a:prstGeom prst="rect">
+            <a:avLst/>
+          </a:prstGeom>
+        </p:spPr>
+      </p:pic>
+      <p:sp>
+        <p:nvSpPr>
+          <p:cNvPr id="5" name="CuadroTexto 4">
+            <a:extLst>
+              <a:ext uri="{FF2B5EF4-FFF2-40B4-BE49-F238E27FC236}">
+                <a16:creationId xmlns:a16="http://schemas.microsoft.com/office/drawing/2014/main" id="{283273BA-2717-9068-99CA-A8AE0301B069}"/>
+              </a:ext>
+            </a:extLst>
+          </p:cNvPr>
+          <p:cNvSpPr txBox="1"/>
+          <p:nvPr/>
+        </p:nvSpPr>
+        <p:spPr>
+          <a:xfrm>
+            <a:off x="7093258" y="2086252"/>
+            <a:ext cx="3844031" cy="1477328"/>
+          </a:xfrm>
+          <a:prstGeom prst="rect">
+            <a:avLst/>
+          </a:prstGeom>
+          <a:noFill/>
+        </p:spPr>
+        <p:txBody>
+          <a:bodyPr wrap="square" rtlCol="0">
+            <a:spAutoFit/>
+          </a:bodyPr>
+          <a:lstStyle/>
+          <a:p>
+            <a:r>
+              <a:rPr lang="es-MX" dirty="0"/>
+              <a:t>En un modelo de </a:t>
+            </a:r>
+            <a:r>
+              <a:rPr lang="es-MX" b="1" dirty="0"/>
+              <a:t>regresión</a:t>
+            </a:r>
+            <a:r>
+              <a:rPr lang="es-MX" dirty="0"/>
+              <a:t>, la variable que buscamos predecir es una </a:t>
+            </a:r>
+            <a:r>
+              <a:rPr lang="es-MX" b="1" dirty="0"/>
+              <a:t>variable numérica </a:t>
+            </a:r>
+            <a:r>
+              <a:rPr lang="es-MX" dirty="0"/>
+              <a:t>(el precio de una casa, la temperatura, la cantidad de transacciones, etc.).</a:t>
+            </a:r>
+            <a:endParaRPr lang="en-US" dirty="0"/>
+          </a:p>
+        </p:txBody>
+      </p:sp>
+      <p:sp>
+        <p:nvSpPr>
+          <p:cNvPr id="6" name="CuadroTexto 5">
+            <a:extLst>
+              <a:ext uri="{FF2B5EF4-FFF2-40B4-BE49-F238E27FC236}">
+                <a16:creationId xmlns:a16="http://schemas.microsoft.com/office/drawing/2014/main" id="{26FD2B00-A5B2-29C7-2E2D-38B8A4A09F61}"/>
+              </a:ext>
+            </a:extLst>
+          </p:cNvPr>
+          <p:cNvSpPr txBox="1"/>
+          <p:nvPr/>
+        </p:nvSpPr>
+        <p:spPr>
+          <a:xfrm>
+            <a:off x="1074198" y="6401081"/>
+            <a:ext cx="5273336" cy="261610"/>
+          </a:xfrm>
+          <a:prstGeom prst="rect">
+            <a:avLst/>
+          </a:prstGeom>
+          <a:noFill/>
+        </p:spPr>
+        <p:txBody>
+          <a:bodyPr wrap="square" rtlCol="0">
+            <a:spAutoFit/>
+          </a:bodyPr>
+          <a:lstStyle/>
+          <a:p>
+            <a:r>
+              <a:rPr lang="en-US" sz="1100" dirty="0"/>
+              <a:t>https://medium.com/@ali_88273/regression-vs-classification-87c224350d69</a:t>
+            </a:r>
+          </a:p>
+        </p:txBody>
+      </p:sp>
+      <p:sp>
+        <p:nvSpPr>
+          <p:cNvPr id="7" name="CuadroTexto 6">
+            <a:extLst>
+              <a:ext uri="{FF2B5EF4-FFF2-40B4-BE49-F238E27FC236}">
+                <a16:creationId xmlns:a16="http://schemas.microsoft.com/office/drawing/2014/main" id="{58976098-27AD-D15D-EF58-692D904E7168}"/>
+              </a:ext>
+            </a:extLst>
+          </p:cNvPr>
+          <p:cNvSpPr txBox="1"/>
+          <p:nvPr/>
+        </p:nvSpPr>
+        <p:spPr>
+          <a:xfrm>
+            <a:off x="7093258" y="4512971"/>
+            <a:ext cx="3844031" cy="1200329"/>
+          </a:xfrm>
+          <a:prstGeom prst="rect">
+            <a:avLst/>
+          </a:prstGeom>
+          <a:noFill/>
+        </p:spPr>
+        <p:txBody>
+          <a:bodyPr wrap="square" rtlCol="0">
+            <a:spAutoFit/>
+          </a:bodyPr>
+          <a:lstStyle/>
+          <a:p>
+            <a:r>
+              <a:rPr lang="es-MX" dirty="0"/>
+              <a:t>En un modelo de </a:t>
+            </a:r>
+            <a:r>
+              <a:rPr lang="es-MX" b="1" dirty="0"/>
+              <a:t>clasificación</a:t>
+            </a:r>
+            <a:r>
+              <a:rPr lang="es-MX" dirty="0"/>
+              <a:t>, la variable que buscamos predecir es una </a:t>
+            </a:r>
+            <a:r>
+              <a:rPr lang="es-MX" b="1" dirty="0"/>
+              <a:t>variable categórica </a:t>
+            </a:r>
+            <a:r>
+              <a:rPr lang="es-MX" dirty="0"/>
+              <a:t>(compra/no compra, gato/perro, frío/calor).</a:t>
+            </a:r>
+            <a:endParaRPr lang="en-US" dirty="0"/>
+          </a:p>
+        </p:txBody>
+      </p:sp>
+    </p:spTree>
+    <p:extLst>
+      <p:ext uri="{BB962C8B-B14F-4D97-AF65-F5344CB8AC3E}">
+        <p14:creationId xmlns:p14="http://schemas.microsoft.com/office/powerpoint/2010/main" val="2174333211"/>
+      </p:ext>
+    </p:extLst>
+  </p:cSld>
+  <p:clrMapOvr>
+    <a:masterClrMapping/>
+  </p:clrMapOvr>
+</p:sld>
+</file>
+
+<file path=ppt/slides/slide8.xml><?xml version="1.0" encoding="utf-8"?>
+<p:sld xmlns:a="http://schemas.openxmlformats.org/drawingml/2006/main" xmlns:r="http://schemas.openxmlformats.org/officeDocument/2006/relationships" xmlns:p="http://schemas.openxmlformats.org/presentationml/2006/main">
+  <p:cSld>
+    <p:spTree>
+      <p:nvGrpSpPr>
+        <p:cNvPr id="1" name=""/>
+        <p:cNvGrpSpPr/>
+        <p:nvPr/>
+      </p:nvGrpSpPr>
+      <p:grpSpPr>
+        <a:xfrm>
+          <a:off x="0" y="0"/>
+          <a:ext cx="0" cy="0"/>
+          <a:chOff x="0" y="0"/>
+          <a:chExt cx="0" cy="0"/>
+        </a:xfrm>
+      </p:grpSpPr>
+      <p:pic>
+        <p:nvPicPr>
+          <p:cNvPr id="4" name="Imagen 3" descr="Interfaz de usuario gráfica, Aplicación&#10;&#10;Descripción generada automáticamente">
+            <a:extLst>
+              <a:ext uri="{FF2B5EF4-FFF2-40B4-BE49-F238E27FC236}">
+                <a16:creationId xmlns:a16="http://schemas.microsoft.com/office/drawing/2014/main" id="{A2129A85-F1C7-F586-697A-F097022FD1CE}"/>
+              </a:ext>
+            </a:extLst>
+          </p:cNvPr>
+          <p:cNvPicPr>
+            <a:picLocks noChangeAspect="1"/>
+          </p:cNvPicPr>
+          <p:nvPr/>
+        </p:nvPicPr>
+        <p:blipFill>
+          <a:blip r:embed="rId2">
+            <a:extLst>
+              <a:ext uri="{28A0092B-C50C-407E-A947-70E740481C1C}">
+                <a14:useLocalDpi xmlns:a14="http://schemas.microsoft.com/office/drawing/2010/main" val="0"/>
+              </a:ext>
+            </a:extLst>
+          </a:blip>
+          <a:stretch>
+            <a:fillRect/>
+          </a:stretch>
+        </p:blipFill>
+        <p:spPr>
+          <a:xfrm>
+            <a:off x="1509606" y="399971"/>
+            <a:ext cx="8087156" cy="6058057"/>
+          </a:xfrm>
+          <a:prstGeom prst="rect">
+            <a:avLst/>
+          </a:prstGeom>
+        </p:spPr>
+      </p:pic>
+    </p:spTree>
+    <p:extLst>
+      <p:ext uri="{BB962C8B-B14F-4D97-AF65-F5344CB8AC3E}">
+        <p14:creationId xmlns:p14="http://schemas.microsoft.com/office/powerpoint/2010/main" val="3618493427"/>
+      </p:ext>
+    </p:extLst>
+  </p:cSld>
+  <p:clrMapOvr>
+    <a:masterClrMapping/>
+  </p:clrMapOvr>
+</p:sld>
+</file>
+
+<file path=ppt/slides/slide9.xml><?xml version="1.0" encoding="utf-8"?>
+<p:sld xmlns:a="http://schemas.openxmlformats.org/drawingml/2006/main" xmlns:r="http://schemas.openxmlformats.org/officeDocument/2006/relationships" xmlns:p="http://schemas.openxmlformats.org/presentationml/2006/main">
+  <p:cSld>
+    <p:spTree>
+      <p:nvGrpSpPr>
+        <p:cNvPr id="1" name=""/>
+        <p:cNvGrpSpPr/>
+        <p:nvPr/>
+      </p:nvGrpSpPr>
+      <p:grpSpPr>
+        <a:xfrm>
+          <a:off x="0" y="0"/>
+          <a:ext cx="0" cy="0"/>
+          <a:chOff x="0" y="0"/>
+          <a:chExt cx="0" cy="0"/>
+        </a:xfrm>
+      </p:grpSpPr>
+      <p:sp>
+        <p:nvSpPr>
+          <p:cNvPr id="2" name="Título 1">
+            <a:extLst>
+              <a:ext uri="{FF2B5EF4-FFF2-40B4-BE49-F238E27FC236}">
+                <a16:creationId xmlns:a16="http://schemas.microsoft.com/office/drawing/2014/main" id="{1038F2C7-CF40-9601-07EA-DDF08D6C4E68}"/>
+              </a:ext>
+            </a:extLst>
+          </p:cNvPr>
+          <p:cNvSpPr>
+            <a:spLocks noGrp="1"/>
+          </p:cNvSpPr>
+          <p:nvPr>
+            <p:ph type="title"/>
+          </p:nvPr>
+        </p:nvSpPr>
+        <p:spPr/>
+        <p:txBody>
+          <a:bodyPr/>
+          <a:lstStyle/>
+          <a:p>
+            <a:endParaRPr lang="en-US" dirty="0"/>
+          </a:p>
+        </p:txBody>
+      </p:sp>
+      <p:sp>
+        <p:nvSpPr>
+          <p:cNvPr id="3" name="Marcador de contenido 2">
+            <a:extLst>
+              <a:ext uri="{FF2B5EF4-FFF2-40B4-BE49-F238E27FC236}">
+                <a16:creationId xmlns:a16="http://schemas.microsoft.com/office/drawing/2014/main" id="{0CB49BDB-0837-7A53-497A-27F7F7BA16FF}"/>
+              </a:ext>
+            </a:extLst>
+          </p:cNvPr>
+          <p:cNvSpPr>
+            <a:spLocks noGrp="1"/>
+          </p:cNvSpPr>
+          <p:nvPr>
+            <p:ph idx="1"/>
+          </p:nvPr>
+        </p:nvSpPr>
+        <p:spPr/>
+        <p:txBody>
+          <a:bodyPr/>
+          <a:lstStyle/>
+          <a:p>
+            <a:pPr marL="0" indent="0">
+              <a:buNone/>
+            </a:pPr>
+            <a:r>
+              <a:rPr lang="es-MX" dirty="0"/>
+              <a:t>¿Cómo se relacionan varias variables entre sí?</a:t>
+            </a:r>
+          </a:p>
+          <a:p>
+            <a:pPr marL="0" indent="0">
+              <a:buNone/>
+            </a:pPr>
+            <a:endParaRPr lang="es-MX" dirty="0"/>
+          </a:p>
+          <a:p>
+            <a:pPr marL="0" indent="0">
+              <a:buNone/>
+            </a:pPr>
+            <a:r>
+              <a:rPr lang="es-MX" dirty="0"/>
+              <a:t>¿Cómo afecta una variable a la otra?</a:t>
+            </a:r>
+          </a:p>
+          <a:p>
+            <a:pPr marL="0" indent="0">
+              <a:buNone/>
+            </a:pPr>
+            <a:endParaRPr lang="es-MX" dirty="0"/>
+          </a:p>
+          <a:p>
+            <a:pPr marL="0" indent="0">
+              <a:buNone/>
+            </a:pPr>
+            <a:r>
+              <a:rPr lang="es-MX" dirty="0"/>
+              <a:t>¿Qué ocurre con la variable </a:t>
+            </a:r>
+            <a:r>
+              <a:rPr lang="es-MX" i="1" dirty="0">
+                <a:latin typeface="Cambria Math" panose="02040503050406030204" pitchFamily="18" charset="0"/>
+                <a:ea typeface="Cambria Math" panose="02040503050406030204" pitchFamily="18" charset="0"/>
+              </a:rPr>
+              <a:t>y</a:t>
+            </a:r>
+            <a:r>
+              <a:rPr lang="es-MX" dirty="0"/>
+              <a:t> cuando se incrementa la variable </a:t>
+            </a:r>
+            <a:r>
+              <a:rPr lang="es-MX" i="1" dirty="0">
+                <a:latin typeface="Cambria Math" panose="02040503050406030204" pitchFamily="18" charset="0"/>
+                <a:ea typeface="Cambria Math" panose="02040503050406030204" pitchFamily="18" charset="0"/>
+              </a:rPr>
+              <a:t>x</a:t>
+            </a:r>
+            <a:r>
+              <a:rPr lang="es-MX" dirty="0"/>
+              <a:t>?</a:t>
+            </a:r>
+          </a:p>
+          <a:p>
+            <a:pPr marL="0" indent="0">
+              <a:buNone/>
+            </a:pPr>
+            <a:endParaRPr lang="es-MX" dirty="0"/>
+          </a:p>
+          <a:p>
+            <a:pPr marL="0" indent="0">
+              <a:buNone/>
+            </a:pPr>
+            <a:r>
+              <a:rPr lang="es-MX" dirty="0"/>
+              <a:t>¿En qué % la variable </a:t>
+            </a:r>
+            <a:r>
+              <a:rPr lang="es-MX" i="1" dirty="0">
+                <a:latin typeface="Cambria Math" panose="02040503050406030204" pitchFamily="18" charset="0"/>
+                <a:ea typeface="Cambria Math" panose="02040503050406030204" pitchFamily="18" charset="0"/>
+              </a:rPr>
+              <a:t>x</a:t>
+            </a:r>
+            <a:r>
+              <a:rPr lang="es-MX" dirty="0"/>
+              <a:t> explica el comportamiento de la variable </a:t>
+            </a:r>
+            <a:r>
+              <a:rPr lang="es-MX" i="1" dirty="0">
+                <a:latin typeface="Cambria Math" panose="02040503050406030204" pitchFamily="18" charset="0"/>
+                <a:ea typeface="Cambria Math" panose="02040503050406030204" pitchFamily="18" charset="0"/>
+              </a:rPr>
+              <a:t>y</a:t>
+            </a:r>
+            <a:r>
+              <a:rPr lang="es-MX" dirty="0"/>
+              <a:t>?</a:t>
+            </a:r>
+            <a:endParaRPr lang="en-US" dirty="0"/>
+          </a:p>
+        </p:txBody>
+      </p:sp>
+    </p:spTree>
+    <p:extLst>
+      <p:ext uri="{BB962C8B-B14F-4D97-AF65-F5344CB8AC3E}">
+        <p14:creationId xmlns:p14="http://schemas.microsoft.com/office/powerpoint/2010/main" val="3591874937"/>
       </p:ext>
     </p:extLst>
   </p:cSld>
